--- a/files/tools/ppt/Mobile Interface Design Best Practices_FacilitationDeck.pptx
+++ b/files/tools/ppt/Mobile Interface Design Best Practices_FacilitationDeck.pptx
@@ -359,7 +359,7 @@
       </p:grpSpPr>
       <p:sp>
         <p:nvSpPr>
-          <p:cNvPr id="116" name="Shape 116"/>
+          <p:cNvPr id="118" name="Shape 118"/>
           <p:cNvSpPr/>
           <p:nvPr>
             <p:ph type="sldImg"/>
@@ -384,7 +384,7 @@
       </p:sp>
       <p:sp>
         <p:nvSpPr>
-          <p:cNvPr id="117" name="Shape 117"/>
+          <p:cNvPr id="119" name="Shape 119"/>
           <p:cNvSpPr/>
           <p:nvPr>
             <p:ph type="body" sz="quarter" idx="1"/>
@@ -915,9 +915,67 @@
           <a:chExt cx="0" cy="0"/>
         </a:xfrm>
       </p:grpSpPr>
+      <p:pic>
+        <p:nvPicPr>
+          <p:cNvPr id="110" name="FinLab_logo.png" descr="FinLab_logo.png"/>
+          <p:cNvPicPr>
+            <a:picLocks noChangeAspect="1"/>
+          </p:cNvPicPr>
+          <p:nvPr/>
+        </p:nvPicPr>
+        <p:blipFill>
+          <a:blip r:embed="rId2">
+            <a:extLst/>
+          </a:blip>
+          <a:stretch>
+            <a:fillRect/>
+          </a:stretch>
+        </p:blipFill>
+        <p:spPr>
+          <a:xfrm>
+            <a:off x="19420718" y="12652682"/>
+            <a:ext cx="2294397" cy="801169"/>
+          </a:xfrm>
+          <a:prstGeom prst="rect">
+            <a:avLst/>
+          </a:prstGeom>
+          <a:ln w="12700">
+            <a:miter lim="400000"/>
+          </a:ln>
+        </p:spPr>
+      </p:pic>
+      <p:pic>
+        <p:nvPicPr>
+          <p:cNvPr id="111" name="UNCDF_logo.svg.png" descr="UNCDF_logo.svg.png"/>
+          <p:cNvPicPr>
+            <a:picLocks noChangeAspect="1"/>
+          </p:cNvPicPr>
+          <p:nvPr/>
+        </p:nvPicPr>
+        <p:blipFill>
+          <a:blip r:embed="rId3">
+            <a:extLst/>
+          </a:blip>
+          <a:stretch>
+            <a:fillRect/>
+          </a:stretch>
+        </p:blipFill>
+        <p:spPr>
+          <a:xfrm>
+            <a:off x="22378265" y="12700624"/>
+            <a:ext cx="648807" cy="705285"/>
+          </a:xfrm>
+          <a:prstGeom prst="rect">
+            <a:avLst/>
+          </a:prstGeom>
+          <a:ln w="12700">
+            <a:miter lim="400000"/>
+          </a:ln>
+        </p:spPr>
+      </p:pic>
       <p:sp>
         <p:nvSpPr>
-          <p:cNvPr id="110" name="Slide Number"/>
+          <p:cNvPr id="112" name="Slide Number"/>
           <p:cNvSpPr txBox="1"/>
           <p:nvPr>
             <p:ph type="sldNum" sz="quarter" idx="2"/>
@@ -2948,7 +3006,7 @@
       </p:grpSpPr>
       <p:sp>
         <p:nvSpPr>
-          <p:cNvPr id="119" name="Mobile Interface Design Best Practices"/>
+          <p:cNvPr id="121" name="Mobile Interface Design Best Practices"/>
           <p:cNvSpPr txBox="1"/>
           <p:nvPr/>
         </p:nvSpPr>
@@ -2995,7 +3053,7 @@
       </p:sp>
       <p:sp>
         <p:nvSpPr>
-          <p:cNvPr id="120" name="The following slides will help you design better mobile interactions experiences."/>
+          <p:cNvPr id="122" name="The following slides will help you design better mobile interactions experiences."/>
           <p:cNvSpPr txBox="1"/>
           <p:nvPr/>
         </p:nvSpPr>
@@ -3066,7 +3124,7 @@
       </p:grpSpPr>
       <p:sp>
         <p:nvSpPr>
-          <p:cNvPr id="157" name="Prioritise features"/>
+          <p:cNvPr id="159" name="Prioritise features"/>
           <p:cNvSpPr txBox="1"/>
           <p:nvPr/>
         </p:nvSpPr>
@@ -3114,7 +3172,7 @@
       </p:sp>
       <p:pic>
         <p:nvPicPr>
-          <p:cNvPr id="158" name="Picture4png.png" descr="Picture4png.png"/>
+          <p:cNvPr id="160" name="Picture4png.png" descr="Picture4png.png"/>
           <p:cNvPicPr>
             <a:picLocks noChangeAspect="1"/>
           </p:cNvPicPr>
@@ -3169,7 +3227,7 @@
       </p:grpSpPr>
       <p:sp>
         <p:nvSpPr>
-          <p:cNvPr id="160" name="Cut the clutter"/>
+          <p:cNvPr id="162" name="Cut the clutter"/>
           <p:cNvSpPr txBox="1"/>
           <p:nvPr/>
         </p:nvSpPr>
@@ -3217,7 +3275,7 @@
       </p:sp>
       <p:sp>
         <p:nvSpPr>
-          <p:cNvPr id="161" name="Cluttering a user interface overloads your user with too much information — every added button, image, and line of text makes the screen more complicated. Clutter is terrible on a desktop, but it’s way worse on mobile devices where users have limited screen space.…"/>
+          <p:cNvPr id="163" name="Cluttering a user interface overloads your user with too much information — every added button, image, and line of text makes the screen more complicated. Clutter is terrible on a desktop, but it’s way worse on mobile devices where users have limited screen space.…"/>
           <p:cNvSpPr txBox="1"/>
           <p:nvPr/>
         </p:nvSpPr>
@@ -3281,7 +3339,7 @@
       </p:sp>
       <p:sp>
         <p:nvSpPr>
-          <p:cNvPr id="162" name="Strive for minimalism…"/>
+          <p:cNvPr id="164" name="Strive for minimalism…"/>
           <p:cNvSpPr txBox="1"/>
           <p:nvPr/>
         </p:nvSpPr>
@@ -3401,7 +3459,7 @@
       </p:grpSpPr>
       <p:sp>
         <p:nvSpPr>
-          <p:cNvPr id="164" name="Make navigation easier"/>
+          <p:cNvPr id="166" name="Make navigation easier"/>
           <p:cNvSpPr txBox="1"/>
           <p:nvPr/>
         </p:nvSpPr>
@@ -3449,7 +3507,7 @@
       </p:sp>
       <p:sp>
         <p:nvSpPr>
-          <p:cNvPr id="165" name="Having a great service or product won’t matter unless users can successfully navigate your app and access the features. Having easy navigation is important to ensure that users are able to navigate to different features on the app successfully use them."/>
+          <p:cNvPr id="167" name="Having a great service or product won’t matter unless users can successfully navigate your app and access the features. Having easy navigation is important to ensure that users are able to navigate to different features on the app successfully use them."/>
           <p:cNvSpPr txBox="1"/>
           <p:nvPr/>
         </p:nvSpPr>
@@ -3492,7 +3550,7 @@
       </p:sp>
       <p:sp>
         <p:nvSpPr>
-          <p:cNvPr id="166" name="Consistent navigation: Don’t hide menus on individual pages because it might confuse or disorient your users.…"/>
+          <p:cNvPr id="168" name="Consistent navigation: Don’t hide menus on individual pages because it might confuse or disorient your users.…"/>
           <p:cNvSpPr txBox="1"/>
           <p:nvPr/>
         </p:nvSpPr>
@@ -3626,7 +3684,7 @@
       </p:grpSpPr>
       <p:sp>
         <p:nvSpPr>
-          <p:cNvPr id="168" name="Make navigation easier"/>
+          <p:cNvPr id="170" name="Make navigation easier"/>
           <p:cNvSpPr txBox="1"/>
           <p:nvPr/>
         </p:nvSpPr>
@@ -3674,7 +3732,7 @@
       </p:sp>
       <p:pic>
         <p:nvPicPr>
-          <p:cNvPr id="169" name="1_7JgFWWcD_pfk-aas6b6jgg.png" descr="1_7JgFWWcD_pfk-aas6b6jgg.png"/>
+          <p:cNvPr id="171" name="1_7JgFWWcD_pfk-aas6b6jgg.png" descr="1_7JgFWWcD_pfk-aas6b6jgg.png"/>
           <p:cNvPicPr>
             <a:picLocks noChangeAspect="1"/>
           </p:cNvPicPr>
@@ -3730,7 +3788,7 @@
       </p:grpSpPr>
       <p:sp>
         <p:nvSpPr>
-          <p:cNvPr id="171" name="Use simple language"/>
+          <p:cNvPr id="173" name="Use simple language"/>
           <p:cNvSpPr txBox="1"/>
           <p:nvPr/>
         </p:nvSpPr>
@@ -3778,7 +3836,7 @@
       </p:sp>
       <p:sp>
         <p:nvSpPr>
-          <p:cNvPr id="172" name="Every word in your app is part of a conversation with your users. Make this conversation comfortable for them by speaking the same language as your users. Use familiar, understandable words and phrases if you want your app to appeal to everyone."/>
+          <p:cNvPr id="174" name="Every word in your app is part of a conversation with your users. Make this conversation comfortable for them by speaking the same language as your users. Use familiar, understandable words and phrases if you want your app to appeal to everyone."/>
           <p:cNvSpPr txBox="1"/>
           <p:nvPr/>
         </p:nvSpPr>
@@ -3821,7 +3879,7 @@
       </p:sp>
       <p:sp>
         <p:nvSpPr>
-          <p:cNvPr id="173" name="Avoid acronyms, brand-specific terms, cultural-specific axioms, and technical terminology that people might not understand. In general, it’s better to use simple and direct language to maximise clarity."/>
+          <p:cNvPr id="175" name="Avoid acronyms, brand-specific terms, cultural-specific axioms, and technical terminology that people might not understand. In general, it’s better to use simple and direct language to maximise clarity."/>
           <p:cNvSpPr txBox="1"/>
           <p:nvPr/>
         </p:nvSpPr>
@@ -3890,7 +3948,7 @@
       </p:grpSpPr>
       <p:sp>
         <p:nvSpPr>
-          <p:cNvPr id="175" name="Use simple language"/>
+          <p:cNvPr id="177" name="Use simple language"/>
           <p:cNvSpPr txBox="1"/>
           <p:nvPr/>
         </p:nvSpPr>
@@ -3938,7 +3996,7 @@
       </p:sp>
       <p:pic>
         <p:nvPicPr>
-          <p:cNvPr id="176" name="1_5gFq0Kl5_N4n3GmLtmNRrg.png" descr="1_5gFq0Kl5_N4n3GmLtmNRrg.png"/>
+          <p:cNvPr id="178" name="1_5gFq0Kl5_N4n3GmLtmNRrg.png" descr="1_5gFq0Kl5_N4n3GmLtmNRrg.png"/>
           <p:cNvPicPr>
             <a:picLocks noChangeAspect="1"/>
           </p:cNvPicPr>
@@ -4033,7 +4091,7 @@
       </p:pic>
       <p:pic>
         <p:nvPicPr>
-          <p:cNvPr id="177" name="1_5gFq0Kl5_N4n3GmLtmNRrg.png" descr="1_5gFq0Kl5_N4n3GmLtmNRrg.png"/>
+          <p:cNvPr id="179" name="1_5gFq0Kl5_N4n3GmLtmNRrg.png" descr="1_5gFq0Kl5_N4n3GmLtmNRrg.png"/>
           <p:cNvPicPr>
             <a:picLocks noChangeAspect="1"/>
           </p:cNvPicPr>
@@ -4154,7 +4212,7 @@
       </p:grpSpPr>
       <p:sp>
         <p:nvSpPr>
-          <p:cNvPr id="179" name="Design for interruption"/>
+          <p:cNvPr id="181" name="Design for interruption"/>
           <p:cNvSpPr txBox="1"/>
           <p:nvPr/>
         </p:nvSpPr>
@@ -4202,7 +4260,7 @@
       </p:sp>
       <p:sp>
         <p:nvSpPr>
-          <p:cNvPr id="180" name="We live in a world of interruption. Something is constantly trying to distract us and direct our attention elsewhere.…"/>
+          <p:cNvPr id="182" name="We live in a world of interruption. Something is constantly trying to distract us and direct our attention elsewhere.…"/>
           <p:cNvSpPr txBox="1"/>
           <p:nvPr/>
         </p:nvSpPr>
@@ -4292,7 +4350,7 @@
       </p:grpSpPr>
       <p:sp>
         <p:nvSpPr>
-          <p:cNvPr id="182" name="Design finger-friendly tap targets"/>
+          <p:cNvPr id="184" name="Design finger-friendly tap targets"/>
           <p:cNvSpPr txBox="1"/>
           <p:nvPr/>
         </p:nvSpPr>
@@ -4340,7 +4398,7 @@
       </p:sp>
       <p:sp>
         <p:nvSpPr>
-          <p:cNvPr id="183" name="Smaller touch targets are a common source of problems for mobile users — mistaken taps often happen because of small touch controls. When you’re designing mobile interfaces, it’s best to make your targets big enough so they’re easy for users to tap."/>
+          <p:cNvPr id="185" name="Smaller touch targets are a common source of problems for mobile users — mistaken taps often happen because of small touch controls. When you’re designing mobile interfaces, it’s best to make your targets big enough so they’re easy for users to tap."/>
           <p:cNvSpPr txBox="1"/>
           <p:nvPr/>
         </p:nvSpPr>
@@ -4383,7 +4441,7 @@
       </p:sp>
       <p:pic>
         <p:nvPicPr>
-          <p:cNvPr id="184" name="image21.png" descr="image21.png"/>
+          <p:cNvPr id="186" name="image21.png" descr="image21.png"/>
           <p:cNvPicPr>
             <a:picLocks noChangeAspect="1"/>
           </p:cNvPicPr>
@@ -4438,7 +4496,7 @@
       </p:grpSpPr>
       <p:sp>
         <p:nvSpPr>
-          <p:cNvPr id="186" name="Keep elements within reach"/>
+          <p:cNvPr id="188" name="Keep elements within reach"/>
           <p:cNvSpPr txBox="1"/>
           <p:nvPr/>
         </p:nvSpPr>
@@ -4489,7 +4547,7 @@
       </p:sp>
       <p:sp>
         <p:nvSpPr>
-          <p:cNvPr id="187" name="Pay attention to how users use their phones. Most likely they’re using one of their thumbs to interact with the screen. According to UX experts, 75% of people only use one thumb to interact with their phone.…"/>
+          <p:cNvPr id="189" name="Pay attention to how users use their phones. Most likely they’re using one of their thumbs to interact with the screen. According to UX experts, 75% of people only use one thumb to interact with their phone.…"/>
           <p:cNvSpPr txBox="1"/>
           <p:nvPr/>
         </p:nvSpPr>
@@ -4553,7 +4611,7 @@
       </p:sp>
       <p:pic>
         <p:nvPicPr>
-          <p:cNvPr id="188" name="larger-phone-hotspots.png" descr="larger-phone-hotspots.png"/>
+          <p:cNvPr id="190" name="larger-phone-hotspots.png" descr="larger-phone-hotspots.png"/>
           <p:cNvPicPr>
             <a:picLocks noChangeAspect="1"/>
           </p:cNvPicPr>
@@ -4609,7 +4667,7 @@
       </p:grpSpPr>
       <p:sp>
         <p:nvSpPr>
-          <p:cNvPr id="190" name="Keep elements within reach"/>
+          <p:cNvPr id="192" name="Keep elements within reach"/>
           <p:cNvSpPr txBox="1"/>
           <p:nvPr/>
         </p:nvSpPr>
@@ -4657,7 +4715,7 @@
       </p:sp>
       <p:pic>
         <p:nvPicPr>
-          <p:cNvPr id="191" name="image9-768x496.png" descr="image9-768x496.png"/>
+          <p:cNvPr id="193" name="image9-768x496.png" descr="image9-768x496.png"/>
           <p:cNvPicPr>
             <a:picLocks noChangeAspect="1"/>
           </p:cNvPicPr>
@@ -4686,7 +4744,7 @@
       </p:pic>
       <p:pic>
         <p:nvPicPr>
-          <p:cNvPr id="192" name="key-functions-phone-screen.jpg" descr="key-functions-phone-screen.jpg"/>
+          <p:cNvPr id="194" name="key-functions-phone-screen.jpg" descr="key-functions-phone-screen.jpg"/>
           <p:cNvPicPr>
             <a:picLocks noChangeAspect="1"/>
           </p:cNvPicPr>
@@ -4715,7 +4773,7 @@
       </p:pic>
       <p:sp>
         <p:nvSpPr>
-          <p:cNvPr id="193" name="The position of these functions relates directly to ease of access for a user. Primary functions lie in the area that users can access easily with their thumbs, while tertiary (and to some extent, secondary) functions lie in lower-accuracy zones and require a little more work to get to."/>
+          <p:cNvPr id="195" name="The position of these functions relates directly to ease of access for a user. Primary functions lie in the area that users can access easily with their thumbs, while tertiary (and to some extent, secondary) functions lie in lower-accuracy zones and require a little more work to get to."/>
           <p:cNvSpPr txBox="1"/>
           <p:nvPr/>
         </p:nvSpPr>
@@ -4794,7 +4852,7 @@
       </p:grpSpPr>
       <p:sp>
         <p:nvSpPr>
-          <p:cNvPr id="122" name="Just like a person, your mobile app doesn’t get a second chance to make a good first impression. If you don’t,  you can bet (with 80% confidence) they won’t be back."/>
+          <p:cNvPr id="124" name="Just like a person, your mobile app doesn’t get a second chance to make a good first impression. If you don’t,  you can bet (with 80% confidence) they won’t be back."/>
           <p:cNvSpPr txBox="1"/>
           <p:nvPr/>
         </p:nvSpPr>
@@ -4847,7 +4905,7 @@
       </p:sp>
       <p:sp>
         <p:nvSpPr>
-          <p:cNvPr id="123" name="Focus on first time experience"/>
+          <p:cNvPr id="125" name="Focus on first time experience"/>
           <p:cNvSpPr txBox="1"/>
           <p:nvPr/>
         </p:nvSpPr>
@@ -4921,7 +4979,7 @@
       </p:grpSpPr>
       <p:sp>
         <p:nvSpPr>
-          <p:cNvPr id="195" name="Make text legible"/>
+          <p:cNvPr id="197" name="Make text legible"/>
           <p:cNvSpPr txBox="1"/>
           <p:nvPr/>
         </p:nvSpPr>
@@ -4969,7 +5027,7 @@
       </p:sp>
       <p:sp>
         <p:nvSpPr>
-          <p:cNvPr id="196" name="Content is the reason why people use your app and language — housed in typography (font) and shown as text on your screen, it is a big part of content. Making text legible is a mandatory requirement for each mobile interface."/>
+          <p:cNvPr id="198" name="Content is the reason why people use your app and language — housed in typography (font) and shown as text on your screen, it is a big part of content. Making text legible is a mandatory requirement for each mobile interface."/>
           <p:cNvSpPr txBox="1"/>
           <p:nvPr/>
         </p:nvSpPr>
@@ -5012,7 +5070,7 @@
       </p:sp>
       <p:sp>
         <p:nvSpPr>
-          <p:cNvPr id="197" name="Choose a typeface that works well in multiple sizes and weights to maintain readability and usability in every size. A safe bet is to rely on the platform’s default font.…"/>
+          <p:cNvPr id="199" name="Choose a typeface that works well in multiple sizes and weights to maintain readability and usability in every size. A safe bet is to rely on the platform’s default font.…"/>
           <p:cNvSpPr txBox="1"/>
           <p:nvPr/>
         </p:nvSpPr>
@@ -5146,7 +5204,7 @@
       </p:grpSpPr>
       <p:sp>
         <p:nvSpPr>
-          <p:cNvPr id="199" name="Provide feedback on interactions"/>
+          <p:cNvPr id="201" name="Provide feedback on interactions"/>
           <p:cNvSpPr txBox="1"/>
           <p:nvPr/>
         </p:nvSpPr>
@@ -5194,7 +5252,7 @@
       </p:sp>
       <p:sp>
         <p:nvSpPr>
-          <p:cNvPr id="200" name="Each human-computer interaction is based on two fundamental elements — user input and computer reaction to it. To make the interaction predictable, it’s essential to provide some sort of feedback in response to every user action.…"/>
+          <p:cNvPr id="202" name="Each human-computer interaction is based on two fundamental elements — user input and computer reaction to it. To make the interaction predictable, it’s essential to provide some sort of feedback in response to every user action.…"/>
           <p:cNvSpPr txBox="1"/>
           <p:nvPr/>
         </p:nvSpPr>
@@ -5295,7 +5353,7 @@
       </p:sp>
       <p:sp>
         <p:nvSpPr>
-          <p:cNvPr id="201" name="For example: Based on the type of UI element or current state of the app, designers can use different forms of feedback. For example, interactive elements can be highlighted briefly when tapped, progress indicators can be used to communicate the status of long-running operations, and animated effects can help clarify the results of operations."/>
+          <p:cNvPr id="203" name="For example: Based on the type of UI element or current state of the app, designers can use different forms of feedback. For example, interactive elements can be highlighted briefly when tapped, progress indicators can be used to communicate the status of long-running operations, and animated effects can help clarify the results of operations."/>
           <p:cNvSpPr txBox="1"/>
           <p:nvPr/>
         </p:nvSpPr>
@@ -5366,7 +5424,7 @@
       </p:grpSpPr>
       <p:sp>
         <p:nvSpPr>
-          <p:cNvPr id="203" name="Provide feedback on interactions"/>
+          <p:cNvPr id="205" name="Provide feedback on interactions"/>
           <p:cNvSpPr txBox="1"/>
           <p:nvPr/>
         </p:nvSpPr>
@@ -5414,7 +5472,7 @@
       </p:sp>
       <p:sp>
         <p:nvSpPr>
-          <p:cNvPr id="204" name="Each human-computer interaction is based on two fundamental elements — user input and computer reaction to it. To make the interaction predictable, it’s essential to provide some sort of feedback in response to every user action.…"/>
+          <p:cNvPr id="206" name="Each human-computer interaction is based on two fundamental elements — user input and computer reaction to it. To make the interaction predictable, it’s essential to provide some sort of feedback in response to every user action.…"/>
           <p:cNvSpPr txBox="1"/>
           <p:nvPr/>
         </p:nvSpPr>
@@ -5515,7 +5573,7 @@
       </p:sp>
       <p:sp>
         <p:nvSpPr>
-          <p:cNvPr id="205" name="For example: Based on the type of UI element or current state of the app, designers can use different forms of feedback. For example, interactive elements can be highlighted briefly when tapped, progress indicators can be used to communicate the status of long-running operations, and animated effects can help clarify the results of operations."/>
+          <p:cNvPr id="207" name="For example: Based on the type of UI element or current state of the app, designers can use different forms of feedback. For example, interactive elements can be highlighted briefly when tapped, progress indicators can be used to communicate the status of long-running operations, and animated effects can help clarify the results of operations."/>
           <p:cNvSpPr txBox="1"/>
           <p:nvPr/>
         </p:nvSpPr>
@@ -5586,7 +5644,7 @@
       </p:grpSpPr>
       <p:sp>
         <p:nvSpPr>
-          <p:cNvPr id="207" name="Provide feedback on interactions"/>
+          <p:cNvPr id="209" name="Provide feedback on interactions"/>
           <p:cNvSpPr txBox="1"/>
           <p:nvPr/>
         </p:nvSpPr>
@@ -5634,7 +5692,7 @@
       </p:sp>
       <p:pic>
         <p:nvPicPr>
-          <p:cNvPr id="208" name="userFeedback_2x.png" descr="userFeedback_2x.png"/>
+          <p:cNvPr id="210" name="userFeedback_2x.png" descr="userFeedback_2x.png"/>
           <p:cNvPicPr>
             <a:picLocks noChangeAspect="1"/>
           </p:cNvPicPr>
@@ -5671,7 +5729,7 @@
       </p:pic>
       <p:pic>
         <p:nvPicPr>
-          <p:cNvPr id="209" name="UX-Tactic-35-Give-Real-Time-Password-Requirements-and-Feedback.png" descr="UX-Tactic-35-Give-Real-Time-Password-Requirements-and-Feedback.png"/>
+          <p:cNvPr id="211" name="UX-Tactic-35-Give-Real-Time-Password-Requirements-and-Feedback.png" descr="UX-Tactic-35-Give-Real-Time-Password-Requirements-and-Feedback.png"/>
           <p:cNvPicPr>
             <a:picLocks noChangeAspect="1"/>
           </p:cNvPicPr>
@@ -5727,7 +5785,7 @@
       </p:grpSpPr>
       <p:sp>
         <p:nvSpPr>
-          <p:cNvPr id="211" name="Let’s get started…"/>
+          <p:cNvPr id="213" name="Let’s get started…"/>
           <p:cNvSpPr txBox="1"/>
           <p:nvPr/>
         </p:nvSpPr>
@@ -5772,7 +5830,7 @@
       </p:sp>
       <p:sp>
         <p:nvSpPr>
-          <p:cNvPr id="212" name="Thank You"/>
+          <p:cNvPr id="214" name="Thank You"/>
           <p:cNvSpPr txBox="1"/>
           <p:nvPr/>
         </p:nvSpPr>
@@ -5846,7 +5904,7 @@
       </p:grpSpPr>
       <p:sp>
         <p:nvSpPr>
-          <p:cNvPr id="125" name="Focus on first time experience"/>
+          <p:cNvPr id="127" name="Focus on first time experience"/>
           <p:cNvSpPr txBox="1"/>
           <p:nvPr/>
         </p:nvSpPr>
@@ -5894,7 +5952,7 @@
       </p:sp>
       <p:sp>
         <p:nvSpPr>
-          <p:cNvPr id="126" name="Perception of Complexity…"/>
+          <p:cNvPr id="128" name="Perception of Complexity…"/>
           <p:cNvSpPr txBox="1"/>
           <p:nvPr/>
         </p:nvSpPr>
@@ -5981,7 +6039,7 @@
       </p:sp>
       <p:sp>
         <p:nvSpPr>
-          <p:cNvPr id="127" name="Minimize Cognitive Load…"/>
+          <p:cNvPr id="129" name="Minimize Cognitive Load…"/>
           <p:cNvSpPr txBox="1"/>
           <p:nvPr/>
         </p:nvSpPr>
@@ -6071,7 +6129,7 @@
       </p:grpSpPr>
       <p:sp>
         <p:nvSpPr>
-          <p:cNvPr id="129" name="Focus on first time experience"/>
+          <p:cNvPr id="131" name="Focus on first time experience"/>
           <p:cNvSpPr txBox="1"/>
           <p:nvPr/>
         </p:nvSpPr>
@@ -6119,7 +6177,7 @@
       </p:sp>
       <p:grpSp>
         <p:nvGrpSpPr>
-          <p:cNvPr id="132" name="Group"/>
+          <p:cNvPr id="134" name="Group"/>
           <p:cNvGrpSpPr/>
           <p:nvPr/>
         </p:nvGrpSpPr>
@@ -6133,7 +6191,7 @@
         </p:grpSpPr>
         <p:pic>
           <p:nvPicPr>
-            <p:cNvPr id="130" name="4bc3794409512aedca406de2c8499406.png" descr="4bc3794409512aedca406de2c8499406.png"/>
+            <p:cNvPr id="132" name="4bc3794409512aedca406de2c8499406.png" descr="4bc3794409512aedca406de2c8499406.png"/>
             <p:cNvPicPr>
               <a:picLocks noChangeAspect="1"/>
             </p:cNvPicPr>
@@ -6259,7 +6317,7 @@
         </p:pic>
         <p:pic>
           <p:nvPicPr>
-            <p:cNvPr id="131" name="1_kVi9e8xp6TgwE_0a6kyl0Q.jpg" descr="1_kVi9e8xp6TgwE_0a6kyl0Q.jpg"/>
+            <p:cNvPr id="133" name="1_kVi9e8xp6TgwE_0a6kyl0Q.jpg" descr="1_kVi9e8xp6TgwE_0a6kyl0Q.jpg"/>
             <p:cNvPicPr>
               <a:picLocks noChangeAspect="1"/>
             </p:cNvPicPr>
@@ -6292,7 +6350,7 @@
       </p:grpSp>
       <p:sp>
         <p:nvSpPr>
-          <p:cNvPr id="133" name="Dingbat Tick"/>
+          <p:cNvPr id="135" name="Dingbat Tick"/>
           <p:cNvSpPr/>
           <p:nvPr/>
         </p:nvSpPr>
@@ -6469,7 +6527,7 @@
       </p:sp>
       <p:sp>
         <p:nvSpPr>
-          <p:cNvPr id="134" name="Dingbat X"/>
+          <p:cNvPr id="136" name="Dingbat X"/>
           <p:cNvSpPr/>
           <p:nvPr/>
         </p:nvSpPr>
@@ -6796,7 +6854,7 @@
       </p:grpSpPr>
       <p:sp>
         <p:nvSpPr>
-          <p:cNvPr id="136" name="Good on-boarding is a must"/>
+          <p:cNvPr id="138" name="Good on-boarding is a must"/>
           <p:cNvSpPr txBox="1"/>
           <p:nvPr/>
         </p:nvSpPr>
@@ -6844,7 +6902,7 @@
       </p:sp>
       <p:sp>
         <p:nvSpPr>
-          <p:cNvPr id="137" name="Designing a good on-boarding process is very important as it creates an orientation for first-time users. An on-boarding process convinces users of its importance by introducing users to the features of the app and what value it offers to the users."/>
+          <p:cNvPr id="139" name="Designing a good on-boarding process is very important as it creates an orientation for first-time users. An on-boarding process convinces users of its importance by introducing users to the features of the app and what value it offers to the users."/>
           <p:cNvSpPr txBox="1"/>
           <p:nvPr/>
         </p:nvSpPr>
@@ -6915,7 +6973,7 @@
       </p:grpSpPr>
       <p:sp>
         <p:nvSpPr>
-          <p:cNvPr id="139" name="Research before design"/>
+          <p:cNvPr id="141" name="Research before design"/>
           <p:cNvSpPr txBox="1"/>
           <p:nvPr/>
         </p:nvSpPr>
@@ -6963,7 +7021,7 @@
       </p:sp>
       <p:sp>
         <p:nvSpPr>
-          <p:cNvPr id="140" name="Although it is tempting to jump straight to design and start designing mockups, it’s important to do your research first. Proper research will help you understand who your users are and what they really need. The goal is to create an experience that truly resonates with your target audience."/>
+          <p:cNvPr id="142" name="Although it is tempting to jump straight to design and start designing mockups, it’s important to do your research first. Proper research will help you understand who your users are and what they really need. The goal is to create an experience that truly resonates with your target audience."/>
           <p:cNvSpPr txBox="1"/>
           <p:nvPr/>
         </p:nvSpPr>
@@ -7008,7 +7066,7 @@
       </p:sp>
       <p:sp>
         <p:nvSpPr>
-          <p:cNvPr id="141" name="Build user personas to under your users better and how they will interact with your app. Conduct a competitive analysis to find apps which are similar to yours and see what works and what doesn’t."/>
+          <p:cNvPr id="143" name="Build user personas to under your users better and how they will interact with your app. Conduct a competitive analysis to find apps which are similar to yours and see what works and what doesn’t."/>
           <p:cNvSpPr txBox="1"/>
           <p:nvPr/>
         </p:nvSpPr>
@@ -7091,7 +7149,7 @@
       </p:grpSpPr>
       <p:sp>
         <p:nvSpPr>
-          <p:cNvPr id="143" name="Understanding how users interact with an app is essential for optimisation. We should understand the user’s goals in the context of the entire user flow. This knowledge will help us identify the most common friction points during task completion."/>
+          <p:cNvPr id="145" name="Understanding how users interact with an app is essential for optimisation. We should understand the user’s goals in the context of the entire user flow. This knowledge will help us identify the most common friction points during task completion."/>
           <p:cNvSpPr txBox="1"/>
           <p:nvPr/>
         </p:nvSpPr>
@@ -7136,7 +7194,7 @@
       </p:sp>
       <p:sp>
         <p:nvSpPr>
-          <p:cNvPr id="144" name="Optimise user flow"/>
+          <p:cNvPr id="146" name="Optimise user flow"/>
           <p:cNvSpPr txBox="1"/>
           <p:nvPr/>
         </p:nvSpPr>
@@ -7210,7 +7268,7 @@
       </p:grpSpPr>
       <p:sp>
         <p:nvSpPr>
-          <p:cNvPr id="146" name="Optimise user flow"/>
+          <p:cNvPr id="148" name="Optimise user flow"/>
           <p:cNvSpPr txBox="1"/>
           <p:nvPr/>
         </p:nvSpPr>
@@ -7258,7 +7316,7 @@
       </p:sp>
       <p:grpSp>
         <p:nvGrpSpPr>
-          <p:cNvPr id="151" name="Group"/>
+          <p:cNvPr id="153" name="Group"/>
           <p:cNvGrpSpPr/>
           <p:nvPr/>
         </p:nvGrpSpPr>
@@ -7272,7 +7330,7 @@
         </p:grpSpPr>
         <p:sp>
           <p:nvSpPr>
-            <p:cNvPr id="147" name="Provide a natural next step…"/>
+            <p:cNvPr id="149" name="Provide a natural next step…"/>
             <p:cNvSpPr txBox="1"/>
             <p:nvPr/>
           </p:nvSpPr>
@@ -7341,7 +7399,7 @@
         </p:sp>
         <p:sp>
           <p:nvSpPr>
-            <p:cNvPr id="148" name="Use existing user information…"/>
+            <p:cNvPr id="150" name="Use existing user information…"/>
             <p:cNvSpPr txBox="1"/>
             <p:nvPr/>
           </p:nvSpPr>
@@ -7410,7 +7468,7 @@
         </p:sp>
         <p:sp>
           <p:nvSpPr>
-            <p:cNvPr id="149" name="Chunk Big Tasks…"/>
+            <p:cNvPr id="151" name="Chunk Big Tasks…"/>
             <p:cNvSpPr txBox="1"/>
             <p:nvPr/>
           </p:nvSpPr>
@@ -7479,7 +7537,7 @@
         </p:sp>
         <p:sp>
           <p:nvSpPr>
-            <p:cNvPr id="150" name="Prioritise one primary action…"/>
+            <p:cNvPr id="152" name="Prioritise one primary action…"/>
             <p:cNvSpPr txBox="1"/>
             <p:nvPr/>
           </p:nvSpPr>
@@ -7575,7 +7633,7 @@
       </p:grpSpPr>
       <p:sp>
         <p:nvSpPr>
-          <p:cNvPr id="153" name="Prioritise features"/>
+          <p:cNvPr id="155" name="Prioritise features"/>
           <p:cNvSpPr txBox="1"/>
           <p:nvPr/>
         </p:nvSpPr>
@@ -7623,7 +7681,7 @@
       </p:sp>
       <p:sp>
         <p:nvSpPr>
-          <p:cNvPr id="154" name="To make an app more attractive to users, many product designers try to add as many features as possible. Unfortunately, this rarely results in better user experience. Nothing is more confusing for first-time users than an app that has too much going on. The most successful apps available on the market are highly focused and present a limited set of features."/>
+          <p:cNvPr id="156" name="To make an app more attractive to users, many product designers try to add as many features as possible. Unfortunately, this rarely results in better user experience. Nothing is more confusing for first-time users than an app that has too much going on. The most successful apps available on the market are highly focused and present a limited set of features."/>
           <p:cNvSpPr txBox="1"/>
           <p:nvPr/>
         </p:nvSpPr>
@@ -7668,7 +7726,7 @@
       </p:sp>
       <p:sp>
         <p:nvSpPr>
-          <p:cNvPr id="155" name="Thus, limit your app’s feature set by prioritising what’s important and trimming nice-to-have features.…"/>
+          <p:cNvPr id="157" name="Thus, limit your app’s feature set by prioritising what’s important and trimming nice-to-have features.…"/>
           <p:cNvSpPr txBox="1"/>
           <p:nvPr/>
         </p:nvSpPr>
